--- a/docs/Journey Block Diagram.pptx
+++ b/docs/Journey Block Diagram.pptx
@@ -288,7 +288,7 @@
           <a:p>
             <a:fld id="{DC4A839E-F0BE-4728-B7D5-0292FB4E1FF7}" type="datetimeFigureOut">
               <a:rPr lang="en-US" smtClean="0"/>
-              <a:t>1/7/2014</a:t>
+              <a:t>1/12/2014</a:t>
             </a:fld>
             <a:endParaRPr lang="en-US"/>
           </a:p>
@@ -458,7 +458,7 @@
           <a:p>
             <a:fld id="{DC4A839E-F0BE-4728-B7D5-0292FB4E1FF7}" type="datetimeFigureOut">
               <a:rPr lang="en-US" smtClean="0"/>
-              <a:t>1/7/2014</a:t>
+              <a:t>1/12/2014</a:t>
             </a:fld>
             <a:endParaRPr lang="en-US"/>
           </a:p>
@@ -638,7 +638,7 @@
           <a:p>
             <a:fld id="{DC4A839E-F0BE-4728-B7D5-0292FB4E1FF7}" type="datetimeFigureOut">
               <a:rPr lang="en-US" smtClean="0"/>
-              <a:t>1/7/2014</a:t>
+              <a:t>1/12/2014</a:t>
             </a:fld>
             <a:endParaRPr lang="en-US"/>
           </a:p>
@@ -808,7 +808,7 @@
           <a:p>
             <a:fld id="{DC4A839E-F0BE-4728-B7D5-0292FB4E1FF7}" type="datetimeFigureOut">
               <a:rPr lang="en-US" smtClean="0"/>
-              <a:t>1/7/2014</a:t>
+              <a:t>1/12/2014</a:t>
             </a:fld>
             <a:endParaRPr lang="en-US"/>
           </a:p>
@@ -1054,7 +1054,7 @@
           <a:p>
             <a:fld id="{DC4A839E-F0BE-4728-B7D5-0292FB4E1FF7}" type="datetimeFigureOut">
               <a:rPr lang="en-US" smtClean="0"/>
-              <a:t>1/7/2014</a:t>
+              <a:t>1/12/2014</a:t>
             </a:fld>
             <a:endParaRPr lang="en-US"/>
           </a:p>
@@ -1342,7 +1342,7 @@
           <a:p>
             <a:fld id="{DC4A839E-F0BE-4728-B7D5-0292FB4E1FF7}" type="datetimeFigureOut">
               <a:rPr lang="en-US" smtClean="0"/>
-              <a:t>1/7/2014</a:t>
+              <a:t>1/12/2014</a:t>
             </a:fld>
             <a:endParaRPr lang="en-US"/>
           </a:p>
@@ -1764,7 +1764,7 @@
           <a:p>
             <a:fld id="{DC4A839E-F0BE-4728-B7D5-0292FB4E1FF7}" type="datetimeFigureOut">
               <a:rPr lang="en-US" smtClean="0"/>
-              <a:t>1/7/2014</a:t>
+              <a:t>1/12/2014</a:t>
             </a:fld>
             <a:endParaRPr lang="en-US"/>
           </a:p>
@@ -1882,7 +1882,7 @@
           <a:p>
             <a:fld id="{DC4A839E-F0BE-4728-B7D5-0292FB4E1FF7}" type="datetimeFigureOut">
               <a:rPr lang="en-US" smtClean="0"/>
-              <a:t>1/7/2014</a:t>
+              <a:t>1/12/2014</a:t>
             </a:fld>
             <a:endParaRPr lang="en-US"/>
           </a:p>
@@ -1977,7 +1977,7 @@
           <a:p>
             <a:fld id="{DC4A839E-F0BE-4728-B7D5-0292FB4E1FF7}" type="datetimeFigureOut">
               <a:rPr lang="en-US" smtClean="0"/>
-              <a:t>1/7/2014</a:t>
+              <a:t>1/12/2014</a:t>
             </a:fld>
             <a:endParaRPr lang="en-US"/>
           </a:p>
@@ -2254,7 +2254,7 @@
           <a:p>
             <a:fld id="{DC4A839E-F0BE-4728-B7D5-0292FB4E1FF7}" type="datetimeFigureOut">
               <a:rPr lang="en-US" smtClean="0"/>
-              <a:t>1/7/2014</a:t>
+              <a:t>1/12/2014</a:t>
             </a:fld>
             <a:endParaRPr lang="en-US"/>
           </a:p>
@@ -2507,7 +2507,7 @@
           <a:p>
             <a:fld id="{DC4A839E-F0BE-4728-B7D5-0292FB4E1FF7}" type="datetimeFigureOut">
               <a:rPr lang="en-US" smtClean="0"/>
-              <a:t>1/7/2014</a:t>
+              <a:t>1/12/2014</a:t>
             </a:fld>
             <a:endParaRPr lang="en-US"/>
           </a:p>
@@ -2720,7 +2720,7 @@
           <a:p>
             <a:fld id="{DC4A839E-F0BE-4728-B7D5-0292FB4E1FF7}" type="datetimeFigureOut">
               <a:rPr lang="en-US" smtClean="0"/>
-              <a:t>1/7/2014</a:t>
+              <a:t>1/12/2014</a:t>
             </a:fld>
             <a:endParaRPr lang="en-US"/>
           </a:p>
@@ -4176,6 +4176,206 @@
           <a:xfrm>
             <a:off x="4673798" y="180201"/>
             <a:ext cx="558404" cy="276999"/>
+          </a:xfrm>
+          <a:prstGeom prst="rect">
+            <a:avLst/>
+          </a:prstGeom>
+          <a:noFill/>
+        </p:spPr>
+        <p:txBody>
+          <a:bodyPr wrap="square" rtlCol="0">
+            <a:spAutoFit/>
+          </a:bodyPr>
+          <a:lstStyle/>
+          <a:p>
+            <a:r>
+              <a:rPr lang="en-US" sz="1200" dirty="0" smtClean="0"/>
+              <a:t>Link</a:t>
+            </a:r>
+            <a:endParaRPr lang="en-US" sz="1200" dirty="0"/>
+          </a:p>
+        </p:txBody>
+      </p:sp>
+      <p:cxnSp>
+        <p:nvCxnSpPr>
+          <p:cNvPr id="3" name="Curved Connector 2"/>
+          <p:cNvCxnSpPr>
+            <a:stCxn id="68" idx="2"/>
+            <a:endCxn id="6" idx="2"/>
+          </p:cNvCxnSpPr>
+          <p:nvPr/>
+        </p:nvCxnSpPr>
+        <p:spPr>
+          <a:xfrm rot="16200000" flipH="1">
+            <a:off x="3771900" y="1257300"/>
+            <a:ext cx="12700" cy="2933700"/>
+          </a:xfrm>
+          <a:prstGeom prst="curvedConnector3">
+            <a:avLst>
+              <a:gd name="adj1" fmla="val 1800000"/>
+            </a:avLst>
+          </a:prstGeom>
+          <a:ln w="19050">
+            <a:solidFill>
+              <a:schemeClr val="tx1"/>
+            </a:solidFill>
+            <a:tailEnd type="arrow"/>
+          </a:ln>
+        </p:spPr>
+        <p:style>
+          <a:lnRef idx="1">
+            <a:schemeClr val="accent1"/>
+          </a:lnRef>
+          <a:fillRef idx="0">
+            <a:schemeClr val="accent1"/>
+          </a:fillRef>
+          <a:effectRef idx="0">
+            <a:schemeClr val="accent1"/>
+          </a:effectRef>
+          <a:fontRef idx="minor">
+            <a:schemeClr val="tx1"/>
+          </a:fontRef>
+        </p:style>
+      </p:cxnSp>
+      <p:sp>
+        <p:nvSpPr>
+          <p:cNvPr id="31" name="TextBox 30"/>
+          <p:cNvSpPr txBox="1"/>
+          <p:nvPr/>
+        </p:nvSpPr>
+        <p:spPr>
+          <a:xfrm>
+            <a:off x="3411140" y="3047999"/>
+            <a:ext cx="747712" cy="276999"/>
+          </a:xfrm>
+          <a:prstGeom prst="rect">
+            <a:avLst/>
+          </a:prstGeom>
+          <a:noFill/>
+        </p:spPr>
+        <p:txBody>
+          <a:bodyPr wrap="square" rtlCol="0">
+            <a:spAutoFit/>
+          </a:bodyPr>
+          <a:lstStyle/>
+          <a:p>
+            <a:r>
+              <a:rPr lang="en-US" sz="1200" dirty="0" smtClean="0"/>
+              <a:t>Resume</a:t>
+            </a:r>
+            <a:endParaRPr lang="en-US" sz="1200" dirty="0"/>
+          </a:p>
+        </p:txBody>
+      </p:sp>
+      <p:sp>
+        <p:nvSpPr>
+          <p:cNvPr id="32" name="Rounded Rectangle 31"/>
+          <p:cNvSpPr/>
+          <p:nvPr/>
+        </p:nvSpPr>
+        <p:spPr>
+          <a:xfrm>
+            <a:off x="6324600" y="3581400"/>
+            <a:ext cx="1575196" cy="457200"/>
+          </a:xfrm>
+          <a:prstGeom prst="roundRect">
+            <a:avLst/>
+          </a:prstGeom>
+          <a:solidFill>
+            <a:schemeClr val="bg1"/>
+          </a:solidFill>
+          <a:ln>
+            <a:solidFill>
+              <a:schemeClr val="tx1"/>
+            </a:solidFill>
+          </a:ln>
+        </p:spPr>
+        <p:style>
+          <a:lnRef idx="2">
+            <a:schemeClr val="accent1">
+              <a:shade val="50000"/>
+            </a:schemeClr>
+          </a:lnRef>
+          <a:fillRef idx="1">
+            <a:schemeClr val="accent1"/>
+          </a:fillRef>
+          <a:effectRef idx="0">
+            <a:schemeClr val="accent1"/>
+          </a:effectRef>
+          <a:fontRef idx="minor">
+            <a:schemeClr val="lt1"/>
+          </a:fontRef>
+        </p:style>
+        <p:txBody>
+          <a:bodyPr rtlCol="0" anchor="ctr"/>
+          <a:lstStyle/>
+          <a:p>
+            <a:pPr algn="ctr"/>
+            <a:r>
+              <a:rPr lang="en-US" sz="1200" dirty="0" smtClean="0">
+                <a:solidFill>
+                  <a:schemeClr val="tx1"/>
+                </a:solidFill>
+              </a:rPr>
+              <a:t>Goals and Schedules</a:t>
+            </a:r>
+            <a:endParaRPr lang="en-US" sz="1200" dirty="0">
+              <a:solidFill>
+                <a:schemeClr val="tx1"/>
+              </a:solidFill>
+            </a:endParaRPr>
+          </a:p>
+        </p:txBody>
+      </p:sp>
+      <p:cxnSp>
+        <p:nvCxnSpPr>
+          <p:cNvPr id="33" name="Elbow Connector 32"/>
+          <p:cNvCxnSpPr>
+            <a:stCxn id="5" idx="3"/>
+            <a:endCxn id="32" idx="0"/>
+          </p:cNvCxnSpPr>
+          <p:nvPr/>
+        </p:nvCxnSpPr>
+        <p:spPr>
+          <a:xfrm>
+            <a:off x="6877050" y="1295400"/>
+            <a:ext cx="235148" cy="2286000"/>
+          </a:xfrm>
+          <a:prstGeom prst="bentConnector2">
+            <a:avLst/>
+          </a:prstGeom>
+          <a:ln w="19050">
+            <a:solidFill>
+              <a:schemeClr val="tx1"/>
+            </a:solidFill>
+            <a:tailEnd type="arrow"/>
+          </a:ln>
+        </p:spPr>
+        <p:style>
+          <a:lnRef idx="1">
+            <a:schemeClr val="accent1"/>
+          </a:lnRef>
+          <a:fillRef idx="0">
+            <a:schemeClr val="accent1"/>
+          </a:fillRef>
+          <a:effectRef idx="0">
+            <a:schemeClr val="accent1"/>
+          </a:effectRef>
+          <a:fontRef idx="minor">
+            <a:schemeClr val="tx1"/>
+          </a:fontRef>
+        </p:style>
+      </p:cxnSp>
+      <p:sp>
+        <p:nvSpPr>
+          <p:cNvPr id="36" name="TextBox 35"/>
+          <p:cNvSpPr txBox="1"/>
+          <p:nvPr/>
+        </p:nvSpPr>
+        <p:spPr>
+          <a:xfrm>
+            <a:off x="6616898" y="2795198"/>
+            <a:ext cx="469702" cy="276999"/>
           </a:xfrm>
           <a:prstGeom prst="rect">
             <a:avLst/>

--- a/docs/Journey Block Diagram.pptx
+++ b/docs/Journey Block Diagram.pptx
@@ -288,7 +288,7 @@
           <a:p>
             <a:fld id="{DC4A839E-F0BE-4728-B7D5-0292FB4E1FF7}" type="datetimeFigureOut">
               <a:rPr lang="en-US" smtClean="0"/>
-              <a:t>1/12/2014</a:t>
+              <a:t>1/13/2014</a:t>
             </a:fld>
             <a:endParaRPr lang="en-US"/>
           </a:p>
@@ -458,7 +458,7 @@
           <a:p>
             <a:fld id="{DC4A839E-F0BE-4728-B7D5-0292FB4E1FF7}" type="datetimeFigureOut">
               <a:rPr lang="en-US" smtClean="0"/>
-              <a:t>1/12/2014</a:t>
+              <a:t>1/13/2014</a:t>
             </a:fld>
             <a:endParaRPr lang="en-US"/>
           </a:p>
@@ -638,7 +638,7 @@
           <a:p>
             <a:fld id="{DC4A839E-F0BE-4728-B7D5-0292FB4E1FF7}" type="datetimeFigureOut">
               <a:rPr lang="en-US" smtClean="0"/>
-              <a:t>1/12/2014</a:t>
+              <a:t>1/13/2014</a:t>
             </a:fld>
             <a:endParaRPr lang="en-US"/>
           </a:p>
@@ -808,7 +808,7 @@
           <a:p>
             <a:fld id="{DC4A839E-F0BE-4728-B7D5-0292FB4E1FF7}" type="datetimeFigureOut">
               <a:rPr lang="en-US" smtClean="0"/>
-              <a:t>1/12/2014</a:t>
+              <a:t>1/13/2014</a:t>
             </a:fld>
             <a:endParaRPr lang="en-US"/>
           </a:p>
@@ -1054,7 +1054,7 @@
           <a:p>
             <a:fld id="{DC4A839E-F0BE-4728-B7D5-0292FB4E1FF7}" type="datetimeFigureOut">
               <a:rPr lang="en-US" smtClean="0"/>
-              <a:t>1/12/2014</a:t>
+              <a:t>1/13/2014</a:t>
             </a:fld>
             <a:endParaRPr lang="en-US"/>
           </a:p>
@@ -1342,7 +1342,7 @@
           <a:p>
             <a:fld id="{DC4A839E-F0BE-4728-B7D5-0292FB4E1FF7}" type="datetimeFigureOut">
               <a:rPr lang="en-US" smtClean="0"/>
-              <a:t>1/12/2014</a:t>
+              <a:t>1/13/2014</a:t>
             </a:fld>
             <a:endParaRPr lang="en-US"/>
           </a:p>
@@ -1764,7 +1764,7 @@
           <a:p>
             <a:fld id="{DC4A839E-F0BE-4728-B7D5-0292FB4E1FF7}" type="datetimeFigureOut">
               <a:rPr lang="en-US" smtClean="0"/>
-              <a:t>1/12/2014</a:t>
+              <a:t>1/13/2014</a:t>
             </a:fld>
             <a:endParaRPr lang="en-US"/>
           </a:p>
@@ -1882,7 +1882,7 @@
           <a:p>
             <a:fld id="{DC4A839E-F0BE-4728-B7D5-0292FB4E1FF7}" type="datetimeFigureOut">
               <a:rPr lang="en-US" smtClean="0"/>
-              <a:t>1/12/2014</a:t>
+              <a:t>1/13/2014</a:t>
             </a:fld>
             <a:endParaRPr lang="en-US"/>
           </a:p>
@@ -1977,7 +1977,7 @@
           <a:p>
             <a:fld id="{DC4A839E-F0BE-4728-B7D5-0292FB4E1FF7}" type="datetimeFigureOut">
               <a:rPr lang="en-US" smtClean="0"/>
-              <a:t>1/12/2014</a:t>
+              <a:t>1/13/2014</a:t>
             </a:fld>
             <a:endParaRPr lang="en-US"/>
           </a:p>
@@ -2254,7 +2254,7 @@
           <a:p>
             <a:fld id="{DC4A839E-F0BE-4728-B7D5-0292FB4E1FF7}" type="datetimeFigureOut">
               <a:rPr lang="en-US" smtClean="0"/>
-              <a:t>1/12/2014</a:t>
+              <a:t>1/13/2014</a:t>
             </a:fld>
             <a:endParaRPr lang="en-US"/>
           </a:p>
@@ -2507,7 +2507,7 @@
           <a:p>
             <a:fld id="{DC4A839E-F0BE-4728-B7D5-0292FB4E1FF7}" type="datetimeFigureOut">
               <a:rPr lang="en-US" smtClean="0"/>
-              <a:t>1/12/2014</a:t>
+              <a:t>1/13/2014</a:t>
             </a:fld>
             <a:endParaRPr lang="en-US"/>
           </a:p>
@@ -2720,7 +2720,7 @@
           <a:p>
             <a:fld id="{DC4A839E-F0BE-4728-B7D5-0292FB4E1FF7}" type="datetimeFigureOut">
               <a:rPr lang="en-US" smtClean="0"/>
-              <a:t>1/12/2014</a:t>
+              <a:t>1/13/2014</a:t>
             </a:fld>
             <a:endParaRPr lang="en-US"/>
           </a:p>
